--- a/slides/07 - Kafka Spring.pptx
+++ b/slides/07 - Kafka Spring.pptx
@@ -5594,7 +5594,7 @@
               <a:rPr lang="en-US" sz="1200" dirty="0">
                 <a:latin typeface="Consolas" panose="020B0609020204030204" pitchFamily="49" charset="0"/>
               </a:rPr>
-              <a:t>}</a:t>
+              <a:t>    }</a:t>
             </a:r>
           </a:p>
           <a:p>
@@ -5734,7 +5734,7 @@
         </p:nvSpPr>
         <p:spPr>
           <a:xfrm rot="894325">
-            <a:off x="4680132" y="5501816"/>
+            <a:off x="4178481" y="5191430"/>
             <a:ext cx="3441291" cy="484632"/>
           </a:xfrm>
           <a:prstGeom prst="leftArrow">
@@ -7413,8 +7413,8 @@
         </p:nvSpPr>
         <p:spPr>
           <a:xfrm>
-            <a:off x="365180" y="1337446"/>
-            <a:ext cx="7170738" cy="5272904"/>
+            <a:off x="200080" y="983188"/>
+            <a:ext cx="5978470" cy="3914969"/>
           </a:xfrm>
           <a:ln/>
         </p:spPr>
@@ -7830,7 +7830,7 @@
         </p:nvSpPr>
         <p:spPr>
           <a:xfrm rot="2048630">
-            <a:off x="3999958" y="2466072"/>
+            <a:off x="3834858" y="2111814"/>
             <a:ext cx="3464856" cy="1298113"/>
           </a:xfrm>
           <a:prstGeom prst="leftArrow">
@@ -7887,7 +7887,7 @@
         </p:nvSpPr>
         <p:spPr>
           <a:xfrm rot="2308171">
-            <a:off x="5439426" y="2192701"/>
+            <a:off x="5274326" y="1838443"/>
             <a:ext cx="3180439" cy="1234854"/>
           </a:xfrm>
           <a:prstGeom prst="leftArrow">
@@ -7936,7 +7936,7 @@
         </p:nvSpPr>
         <p:spPr>
           <a:xfrm rot="1564722">
-            <a:off x="1772534" y="4935109"/>
+            <a:off x="1491034" y="4538457"/>
             <a:ext cx="2182595" cy="484632"/>
           </a:xfrm>
           <a:prstGeom prst="leftArrow">
@@ -7986,7 +7986,7 @@
         </p:nvSpPr>
         <p:spPr>
           <a:xfrm rot="907528">
-            <a:off x="3120605" y="4131679"/>
+            <a:off x="2483378" y="3686235"/>
             <a:ext cx="3839415" cy="484632"/>
           </a:xfrm>
           <a:prstGeom prst="leftArrow">
@@ -8029,6 +8029,66 @@
           </a:p>
         </p:txBody>
       </p:sp>
+      <p:pic>
+        <p:nvPicPr>
+          <p:cNvPr id="7" name="Billede 6">
+            <a:extLst>
+              <a:ext uri="{FF2B5EF4-FFF2-40B4-BE49-F238E27FC236}">
+                <a16:creationId xmlns:a16="http://schemas.microsoft.com/office/drawing/2014/main" id="{7FA97734-B4FA-1916-8522-649A7A077281}"/>
+              </a:ext>
+            </a:extLst>
+          </p:cNvPr>
+          <p:cNvPicPr>
+            <a:picLocks noChangeAspect="1"/>
+          </p:cNvPicPr>
+          <p:nvPr/>
+        </p:nvPicPr>
+        <p:blipFill>
+          <a:blip r:embed="rId2"/>
+          <a:stretch>
+            <a:fillRect/>
+          </a:stretch>
+        </p:blipFill>
+        <p:spPr>
+          <a:xfrm rot="20778551">
+            <a:off x="4740281" y="4352657"/>
+            <a:ext cx="4578727" cy="2141382"/>
+          </a:xfrm>
+          <a:prstGeom prst="rect">
+            <a:avLst/>
+          </a:prstGeom>
+        </p:spPr>
+      </p:pic>
+      <p:pic>
+        <p:nvPicPr>
+          <p:cNvPr id="9" name="Billede 8">
+            <a:extLst>
+              <a:ext uri="{FF2B5EF4-FFF2-40B4-BE49-F238E27FC236}">
+                <a16:creationId xmlns:a16="http://schemas.microsoft.com/office/drawing/2014/main" id="{CF42EDD1-7347-ABDC-D631-9355685E4B7E}"/>
+              </a:ext>
+            </a:extLst>
+          </p:cNvPr>
+          <p:cNvPicPr>
+            <a:picLocks noChangeAspect="1"/>
+          </p:cNvPicPr>
+          <p:nvPr/>
+        </p:nvPicPr>
+        <p:blipFill>
+          <a:blip r:embed="rId3"/>
+          <a:stretch>
+            <a:fillRect/>
+          </a:stretch>
+        </p:blipFill>
+        <p:spPr>
+          <a:xfrm>
+            <a:off x="364318" y="5403823"/>
+            <a:ext cx="3967678" cy="1109518"/>
+          </a:xfrm>
+          <a:prstGeom prst="rect">
+            <a:avLst/>
+          </a:prstGeom>
+        </p:spPr>
+      </p:pic>
     </p:spTree>
     <p:extLst>
       <p:ext uri="{BB962C8B-B14F-4D97-AF65-F5344CB8AC3E}">
@@ -10219,7 +10279,30 @@
                 <a:latin typeface="+mn-lt"/>
                 <a:cs typeface="Arial" panose="020B0604020202020204" pitchFamily="34" charset="0"/>
               </a:rPr>
-              <a:t>optimized for the control plane protocol that Kafka components use. </a:t>
+              <a:t>optimized for the control plane protocol that Kafka</a:t>
+            </a:r>
+          </a:p>
+          <a:p>
+            <a:pPr marL="358775" marR="0" lvl="0" indent="-142875" algn="l" rtl="0">
+              <a:spcBef>
+                <a:spcPts val="680"/>
+              </a:spcBef>
+              <a:spcAft>
+                <a:spcPts val="0"/>
+              </a:spcAft>
+              <a:buClr>
+                <a:schemeClr val="dk1"/>
+              </a:buClr>
+              <a:buSzPts val="3400"/>
+              <a:buFont typeface="Arial"/>
+              <a:buNone/>
+            </a:pPr>
+            <a:r>
+              <a:rPr lang="en-US" sz="1400" dirty="0">
+                <a:latin typeface="+mn-lt"/>
+                <a:cs typeface="Arial" panose="020B0604020202020204" pitchFamily="34" charset="0"/>
+              </a:rPr>
+              <a:t>components use. </a:t>
             </a:r>
             <a:r>
               <a:rPr lang="en-US" sz="1400" b="0" i="0" u="none" dirty="0">
@@ -10230,7 +10313,34 @@
                 <a:cs typeface="Arial" panose="020B0604020202020204" pitchFamily="34" charset="0"/>
                 <a:sym typeface="Arial"/>
               </a:rPr>
-              <a:t>Spring provides Kafka abstractions classes on top of the low-level API. This allows you to integrate with Kafka in a ‘Spring’ like fashion using CDI, annotations and an opinionated config approach.</a:t>
+              <a:t>Spring provides Kafka abstractions classes on top of the low-level API. This allows you to</a:t>
+            </a:r>
+          </a:p>
+          <a:p>
+            <a:pPr marL="358775" marR="0" lvl="0" indent="-142875" algn="l" rtl="0">
+              <a:spcBef>
+                <a:spcPts val="680"/>
+              </a:spcBef>
+              <a:spcAft>
+                <a:spcPts val="0"/>
+              </a:spcAft>
+              <a:buClr>
+                <a:schemeClr val="dk1"/>
+              </a:buClr>
+              <a:buSzPts val="3400"/>
+              <a:buFont typeface="Arial"/>
+              <a:buNone/>
+            </a:pPr>
+            <a:r>
+              <a:rPr lang="en-US" sz="1400" b="0" i="0" u="none" dirty="0">
+                <a:solidFill>
+                  <a:schemeClr val="dk1"/>
+                </a:solidFill>
+                <a:latin typeface="+mn-lt"/>
+                <a:cs typeface="Arial" panose="020B0604020202020204" pitchFamily="34" charset="0"/>
+                <a:sym typeface="Arial"/>
+              </a:rPr>
+              <a:t>integrate with Kafka in a ‘Spring’ like fashion using CDI, annotations and an opinionated config approach.</a:t>
             </a:r>
           </a:p>
           <a:p>
@@ -10407,7 +10517,7 @@
         </p:nvSpPr>
         <p:spPr>
           <a:xfrm>
-            <a:off x="704366" y="2647950"/>
+            <a:off x="704366" y="2779386"/>
             <a:ext cx="4991583" cy="1438855"/>
           </a:xfrm>
           <a:prstGeom prst="rect">
@@ -10706,7 +10816,7 @@
         </p:nvSpPr>
         <p:spPr>
           <a:xfrm>
-            <a:off x="704366" y="5076656"/>
+            <a:off x="704366" y="5216283"/>
             <a:ext cx="6197600" cy="738664"/>
           </a:xfrm>
           <a:prstGeom prst="rect">
